--- a/public/forpeter/trackingcode/Adword.pptx
+++ b/public/forpeter/trackingcode/Adword.pptx
@@ -6,10 +6,17 @@
   </p:sldMasterIdLst>
   <p:sldIdLst>
     <p:sldId id="256" r:id="rId2"/>
-    <p:sldId id="257" r:id="rId3"/>
-    <p:sldId id="259" r:id="rId4"/>
-    <p:sldId id="260" r:id="rId5"/>
-    <p:sldId id="258" r:id="rId6"/>
+    <p:sldId id="261" r:id="rId3"/>
+    <p:sldId id="262" r:id="rId4"/>
+    <p:sldId id="263" r:id="rId5"/>
+    <p:sldId id="264" r:id="rId6"/>
+    <p:sldId id="266" r:id="rId7"/>
+    <p:sldId id="267" r:id="rId8"/>
+    <p:sldId id="268" r:id="rId9"/>
+    <p:sldId id="269" r:id="rId10"/>
+    <p:sldId id="270" r:id="rId11"/>
+    <p:sldId id="271" r:id="rId12"/>
+    <p:sldId id="258" r:id="rId13"/>
   </p:sldIdLst>
   <p:sldSz cx="12192000" cy="6858000"/>
   <p:notesSz cx="6858000" cy="9144000"/>
@@ -1502,12 +1509,29 @@
             <p:ph type="ctrTitle"/>
           </p:nvPr>
         </p:nvSpPr>
-        <p:spPr/>
+        <p:spPr>
+          <a:xfrm>
+            <a:off x="1427244" y="2541655"/>
+            <a:ext cx="9144000" cy="1448962"/>
+          </a:xfrm>
+        </p:spPr>
         <p:txBody>
-          <a:bodyPr/>
+          <a:bodyPr>
+            <a:normAutofit fontScale="90000"/>
+          </a:bodyPr>
           <a:lstStyle/>
           <a:p>
-            <a:endParaRPr lang="zh-TW" altLang="en-US" dirty="0"/>
+            <a:r>
+              <a:rPr lang="en-US" altLang="zh-TW" dirty="0"/>
+              <a:t>ADWORD</a:t>
+            </a:r>
+            <a:br>
+              <a:rPr lang="en-US" altLang="zh-TW" dirty="0"/>
+            </a:br>
+            <a:r>
+              <a:rPr lang="zh-TW" altLang="en-US" dirty="0"/>
+              <a:t>產追蹤碼 流程</a:t>
+            </a:r>
           </a:p>
         </p:txBody>
       </p:sp>
@@ -1624,131 +1648,485 @@
           </a:p>
         </p:txBody>
       </p:sp>
+    </p:spTree>
+    <p:extLst>
+      <p:ext uri="{BB962C8B-B14F-4D97-AF65-F5344CB8AC3E}">
+        <p14:creationId xmlns:p14="http://schemas.microsoft.com/office/powerpoint/2010/main" val="1990522712"/>
+      </p:ext>
+    </p:extLst>
+  </p:cSld>
+  <p:clrMapOvr>
+    <a:masterClrMapping/>
+  </p:clrMapOvr>
+</p:sld>
+</file>
+
+<file path=ppt/slides/slide10.xml><?xml version="1.0" encoding="utf-8"?>
+<p:sld xmlns:a="http://schemas.openxmlformats.org/drawingml/2006/main" xmlns:r="http://schemas.openxmlformats.org/officeDocument/2006/relationships" xmlns:p="http://schemas.openxmlformats.org/presentationml/2006/main">
+  <p:cSld>
+    <p:spTree>
+      <p:nvGrpSpPr>
+        <p:cNvPr id="1" name=""/>
+        <p:cNvGrpSpPr/>
+        <p:nvPr/>
+      </p:nvGrpSpPr>
+      <p:grpSpPr>
+        <a:xfrm>
+          <a:off x="0" y="0"/>
+          <a:ext cx="0" cy="0"/>
+          <a:chOff x="0" y="0"/>
+          <a:chExt cx="0" cy="0"/>
+        </a:xfrm>
+      </p:grpSpPr>
       <p:sp>
         <p:nvSpPr>
-          <p:cNvPr id="7" name="矩形 6"/>
+          <p:cNvPr id="2" name="標題 1">
+            <a:extLst>
+              <a:ext uri="{FF2B5EF4-FFF2-40B4-BE49-F238E27FC236}">
+                <a16:creationId xmlns:a16="http://schemas.microsoft.com/office/drawing/2014/main" id="{B4261220-F926-4E60-A3AA-FA14754D5B25}"/>
+              </a:ext>
+            </a:extLst>
+          </p:cNvPr>
+          <p:cNvSpPr>
+            <a:spLocks noGrp="1"/>
+          </p:cNvSpPr>
+          <p:nvPr>
+            <p:ph type="title"/>
+          </p:nvPr>
+        </p:nvSpPr>
+        <p:spPr>
+          <a:xfrm>
+            <a:off x="467395" y="436175"/>
+            <a:ext cx="7004823" cy="904876"/>
+          </a:xfrm>
+        </p:spPr>
+        <p:txBody>
+          <a:bodyPr>
+            <a:noAutofit/>
+          </a:bodyPr>
+          <a:lstStyle/>
+          <a:p>
+            <a:r>
+              <a:rPr lang="zh-TW" altLang="en-US" sz="3600" dirty="0"/>
+              <a:t>第六步</a:t>
+            </a:r>
+            <a:r>
+              <a:rPr lang="en-US" altLang="zh-TW" sz="3600" dirty="0"/>
+              <a:t>:</a:t>
+            </a:r>
+            <a:r>
+              <a:rPr lang="zh-TW" altLang="en-US" sz="3600" dirty="0"/>
+              <a:t>取追蹤碼</a:t>
+            </a:r>
+            <a:r>
+              <a:rPr lang="en-US" altLang="zh-TW" sz="3600" dirty="0"/>
+              <a:t>---PV  </a:t>
+            </a:r>
+            <a:r>
+              <a:rPr lang="zh-TW" altLang="en-US" sz="3600" dirty="0"/>
+              <a:t>全域代碼</a:t>
+            </a:r>
+          </a:p>
+        </p:txBody>
+      </p:sp>
+      <p:pic>
+        <p:nvPicPr>
+          <p:cNvPr id="3" name="圖片 2">
+            <a:extLst>
+              <a:ext uri="{FF2B5EF4-FFF2-40B4-BE49-F238E27FC236}">
+                <a16:creationId xmlns:a16="http://schemas.microsoft.com/office/drawing/2014/main" id="{C5E5CA87-3AB2-4C8B-B304-61E770199BF3}"/>
+              </a:ext>
+            </a:extLst>
+          </p:cNvPr>
+          <p:cNvPicPr>
+            <a:picLocks noChangeAspect="1"/>
+          </p:cNvPicPr>
+          <p:nvPr/>
+        </p:nvPicPr>
+        <p:blipFill>
+          <a:blip r:embed="rId2"/>
+          <a:stretch>
+            <a:fillRect/>
+          </a:stretch>
+        </p:blipFill>
+        <p:spPr>
+          <a:xfrm>
+            <a:off x="1413163" y="1475866"/>
+            <a:ext cx="9992014" cy="5382134"/>
+          </a:xfrm>
+          <a:prstGeom prst="rect">
+            <a:avLst/>
+          </a:prstGeom>
+        </p:spPr>
+      </p:pic>
+      <p:sp>
+        <p:nvSpPr>
+          <p:cNvPr id="6" name="矩形 5">
+            <a:extLst>
+              <a:ext uri="{FF2B5EF4-FFF2-40B4-BE49-F238E27FC236}">
+                <a16:creationId xmlns:a16="http://schemas.microsoft.com/office/drawing/2014/main" id="{4FAB52D2-B26D-4950-9B18-6F7F884CE443}"/>
+              </a:ext>
+            </a:extLst>
+          </p:cNvPr>
           <p:cNvSpPr/>
           <p:nvPr/>
         </p:nvSpPr>
         <p:spPr>
           <a:xfrm>
-            <a:off x="0" y="5603275"/>
-            <a:ext cx="6096000" cy="1036694"/>
+            <a:off x="3556000" y="4257964"/>
+            <a:ext cx="7629236" cy="2032000"/>
           </a:xfrm>
           <a:prstGeom prst="rect">
             <a:avLst/>
           </a:prstGeom>
-        </p:spPr>
+          <a:noFill/>
+          <a:ln w="19050">
+            <a:solidFill>
+              <a:srgbClr val="FF0000"/>
+            </a:solidFill>
+          </a:ln>
+        </p:spPr>
+        <p:style>
+          <a:lnRef idx="2">
+            <a:schemeClr val="accent1">
+              <a:shade val="50000"/>
+            </a:schemeClr>
+          </a:lnRef>
+          <a:fillRef idx="1">
+            <a:schemeClr val="accent1"/>
+          </a:fillRef>
+          <a:effectRef idx="0">
+            <a:schemeClr val="accent1"/>
+          </a:effectRef>
+          <a:fontRef idx="minor">
+            <a:schemeClr val="lt1"/>
+          </a:fontRef>
+        </p:style>
         <p:txBody>
-          <a:bodyPr>
+          <a:bodyPr rtlCol="0" anchor="ctr"/>
+          <a:lstStyle/>
+          <a:p>
+            <a:pPr algn="ctr"/>
+            <a:endParaRPr lang="zh-TW" altLang="en-US"/>
+          </a:p>
+        </p:txBody>
+      </p:sp>
+      <p:sp>
+        <p:nvSpPr>
+          <p:cNvPr id="7" name="文字方塊 6">
+            <a:extLst>
+              <a:ext uri="{FF2B5EF4-FFF2-40B4-BE49-F238E27FC236}">
+                <a16:creationId xmlns:a16="http://schemas.microsoft.com/office/drawing/2014/main" id="{389EDF24-748C-4F9E-AA90-11DC38231347}"/>
+              </a:ext>
+            </a:extLst>
+          </p:cNvPr>
+          <p:cNvSpPr txBox="1"/>
+          <p:nvPr/>
+        </p:nvSpPr>
+        <p:spPr>
+          <a:xfrm>
+            <a:off x="7279255" y="5025276"/>
+            <a:ext cx="2582758" cy="923330"/>
+          </a:xfrm>
+          <a:prstGeom prst="rect">
+            <a:avLst/>
+          </a:prstGeom>
+          <a:noFill/>
+        </p:spPr>
+        <p:txBody>
+          <a:bodyPr wrap="none" rtlCol="0">
             <a:spAutoFit/>
           </a:bodyPr>
           <a:lstStyle/>
           <a:p>
-            <a:pPr>
-              <a:lnSpc>
-                <a:spcPct val="110000"/>
-              </a:lnSpc>
-            </a:pPr>
-            <a:r>
-              <a:rPr lang="zh-TW" altLang="en-US" sz="1400" dirty="0">
+            <a:r>
+              <a:rPr lang="zh-TW" altLang="en-US" dirty="0">
                 <a:solidFill>
-                  <a:srgbClr val="FFFFFF"/>
+                  <a:srgbClr val="FF0000"/>
                 </a:solidFill>
-                <a:latin typeface="微軟正黑體"/>
-                <a:ea typeface="微軟正黑體"/>
-                <a:cs typeface="微軟正黑體"/>
               </a:rPr>
-              <a:t>薛祖淇</a:t>
-            </a:r>
-            <a:r>
-              <a:rPr lang="en-US" altLang="zh-TW" sz="1400" dirty="0">
+              <a:t>複製並貼在</a:t>
+            </a:r>
+            <a:r>
+              <a:rPr lang="en-US" altLang="zh-TW" dirty="0">
                 <a:solidFill>
-                  <a:srgbClr val="FFFFFF"/>
+                  <a:srgbClr val="FF0000"/>
                 </a:solidFill>
-                <a:latin typeface="微軟正黑體"/>
-                <a:ea typeface="微軟正黑體"/>
-                <a:cs typeface="微軟正黑體"/>
               </a:rPr>
-              <a:t>/Joey</a:t>
-            </a:r>
-          </a:p>
-          <a:p>
-            <a:pPr>
-              <a:lnSpc>
-                <a:spcPct val="110000"/>
-              </a:lnSpc>
-            </a:pPr>
-            <a:r>
-              <a:rPr lang="en-US" altLang="zh-TW" sz="1400" dirty="0" err="1">
+              <a:t>HTML</a:t>
+            </a:r>
+            <a:r>
+              <a:rPr lang="zh-TW" altLang="en-US" dirty="0">
                 <a:solidFill>
-                  <a:srgbClr val="FFFFFF"/>
+                  <a:srgbClr val="FF0000"/>
                 </a:solidFill>
-                <a:latin typeface="微軟正黑體"/>
-                <a:ea typeface="微軟正黑體"/>
-                <a:cs typeface="微軟正黑體"/>
               </a:rPr>
-              <a:t>joey@clickforce.com.tw</a:t>
-            </a:r>
-            <a:endParaRPr lang="en-US" altLang="zh-TW" sz="1400" dirty="0">
+              <a:t>網頁的</a:t>
+            </a:r>
+            <a:endParaRPr lang="en-US" altLang="zh-TW" dirty="0">
               <a:solidFill>
-                <a:srgbClr val="FFFFFF"/>
+                <a:srgbClr val="FF0000"/>
               </a:solidFill>
-              <a:latin typeface="微軟正黑體"/>
-              <a:ea typeface="微軟正黑體"/>
-              <a:cs typeface="微軟正黑體"/>
             </a:endParaRPr>
           </a:p>
           <a:p>
-            <a:pPr>
-              <a:lnSpc>
-                <a:spcPct val="110000"/>
-              </a:lnSpc>
-            </a:pPr>
-            <a:r>
-              <a:rPr lang="en-US" altLang="zh-TW" sz="1400" dirty="0">
+            <a:r>
+              <a:rPr lang="en-US" altLang="zh-TW" dirty="0">
                 <a:solidFill>
-                  <a:srgbClr val="FFFFFF"/>
+                  <a:srgbClr val="FF0000"/>
                 </a:solidFill>
-                <a:latin typeface="微軟正黑體"/>
-                <a:ea typeface="微軟正黑體"/>
-                <a:cs typeface="微軟正黑體"/>
               </a:rPr>
-              <a:t>M:0938920717</a:t>
-            </a:r>
-          </a:p>
-          <a:p>
-            <a:pPr>
-              <a:lnSpc>
-                <a:spcPct val="110000"/>
-              </a:lnSpc>
-            </a:pPr>
-            <a:r>
-              <a:rPr lang="en-US" altLang="zh-TW" sz="1400" dirty="0">
+              <a:t>&lt;head&gt;&lt;/head&gt;</a:t>
+            </a:r>
+          </a:p>
+          <a:p>
+            <a:r>
+              <a:rPr lang="zh-TW" altLang="en-US" dirty="0">
                 <a:solidFill>
-                  <a:srgbClr val="FFFFFF"/>
+                  <a:srgbClr val="FF0000"/>
                 </a:solidFill>
-                <a:latin typeface="微軟正黑體"/>
-                <a:ea typeface="微軟正黑體"/>
-                <a:cs typeface="微軟正黑體"/>
               </a:rPr>
-              <a:t>T:02-2719-8500 #588</a:t>
-            </a:r>
-            <a:endParaRPr lang="zh-TW" altLang="en-US" sz="1400" dirty="0">
-              <a:solidFill>
-                <a:srgbClr val="FFFFFF"/>
-              </a:solidFill>
-              <a:latin typeface="微軟正黑體"/>
-              <a:ea typeface="微軟正黑體"/>
-              <a:cs typeface="微軟正黑體"/>
-            </a:endParaRPr>
+              <a:t>之中</a:t>
+            </a:r>
           </a:p>
         </p:txBody>
       </p:sp>
     </p:spTree>
     <p:extLst>
       <p:ext uri="{BB962C8B-B14F-4D97-AF65-F5344CB8AC3E}">
-        <p14:creationId xmlns:p14="http://schemas.microsoft.com/office/powerpoint/2010/main" val="1990522712"/>
+        <p14:creationId xmlns:p14="http://schemas.microsoft.com/office/powerpoint/2010/main" val="538315252"/>
+      </p:ext>
+    </p:extLst>
+  </p:cSld>
+  <p:clrMapOvr>
+    <a:masterClrMapping/>
+  </p:clrMapOvr>
+</p:sld>
+</file>
+
+<file path=ppt/slides/slide11.xml><?xml version="1.0" encoding="utf-8"?>
+<p:sld xmlns:a="http://schemas.openxmlformats.org/drawingml/2006/main" xmlns:r="http://schemas.openxmlformats.org/officeDocument/2006/relationships" xmlns:p="http://schemas.openxmlformats.org/presentationml/2006/main">
+  <p:cSld>
+    <p:spTree>
+      <p:nvGrpSpPr>
+        <p:cNvPr id="1" name=""/>
+        <p:cNvGrpSpPr/>
+        <p:nvPr/>
+      </p:nvGrpSpPr>
+      <p:grpSpPr>
+        <a:xfrm>
+          <a:off x="0" y="0"/>
+          <a:ext cx="0" cy="0"/>
+          <a:chOff x="0" y="0"/>
+          <a:chExt cx="0" cy="0"/>
+        </a:xfrm>
+      </p:grpSpPr>
+      <p:sp>
+        <p:nvSpPr>
+          <p:cNvPr id="2" name="標題 1">
+            <a:extLst>
+              <a:ext uri="{FF2B5EF4-FFF2-40B4-BE49-F238E27FC236}">
+                <a16:creationId xmlns:a16="http://schemas.microsoft.com/office/drawing/2014/main" id="{B4261220-F926-4E60-A3AA-FA14754D5B25}"/>
+              </a:ext>
+            </a:extLst>
+          </p:cNvPr>
+          <p:cNvSpPr>
+            <a:spLocks noGrp="1"/>
+          </p:cNvSpPr>
+          <p:nvPr>
+            <p:ph type="title"/>
+          </p:nvPr>
+        </p:nvSpPr>
+        <p:spPr>
+          <a:xfrm>
+            <a:off x="467395" y="436175"/>
+            <a:ext cx="7004823" cy="904876"/>
+          </a:xfrm>
+        </p:spPr>
+        <p:txBody>
+          <a:bodyPr>
+            <a:noAutofit/>
+          </a:bodyPr>
+          <a:lstStyle/>
+          <a:p>
+            <a:r>
+              <a:rPr lang="zh-TW" altLang="en-US" sz="3600" dirty="0"/>
+              <a:t>第七步</a:t>
+            </a:r>
+            <a:r>
+              <a:rPr lang="en-US" altLang="zh-TW" sz="3600" dirty="0"/>
+              <a:t>:</a:t>
+            </a:r>
+            <a:r>
+              <a:rPr lang="zh-TW" altLang="en-US" sz="3600" dirty="0"/>
+              <a:t>取追蹤碼</a:t>
+            </a:r>
+            <a:r>
+              <a:rPr lang="en-US" altLang="zh-TW" sz="3600" dirty="0"/>
+              <a:t>---PV</a:t>
+            </a:r>
+            <a:r>
+              <a:rPr lang="zh-TW" altLang="en-US" sz="3600" dirty="0"/>
+              <a:t> </a:t>
+            </a:r>
+          </a:p>
+        </p:txBody>
+      </p:sp>
+      <p:pic>
+        <p:nvPicPr>
+          <p:cNvPr id="4" name="圖片 3">
+            <a:extLst>
+              <a:ext uri="{FF2B5EF4-FFF2-40B4-BE49-F238E27FC236}">
+                <a16:creationId xmlns:a16="http://schemas.microsoft.com/office/drawing/2014/main" id="{B2F873B0-BF61-457B-A855-91B35ABF6078}"/>
+              </a:ext>
+            </a:extLst>
+          </p:cNvPr>
+          <p:cNvPicPr>
+            <a:picLocks noChangeAspect="1"/>
+          </p:cNvPicPr>
+          <p:nvPr/>
+        </p:nvPicPr>
+        <p:blipFill>
+          <a:blip r:embed="rId2"/>
+          <a:stretch>
+            <a:fillRect/>
+          </a:stretch>
+        </p:blipFill>
+        <p:spPr>
+          <a:xfrm>
+            <a:off x="467395" y="1572568"/>
+            <a:ext cx="9777750" cy="4921638"/>
+          </a:xfrm>
+          <a:prstGeom prst="rect">
+            <a:avLst/>
+          </a:prstGeom>
+        </p:spPr>
+      </p:pic>
+      <p:sp>
+        <p:nvSpPr>
+          <p:cNvPr id="5" name="矩形 4">
+            <a:extLst>
+              <a:ext uri="{FF2B5EF4-FFF2-40B4-BE49-F238E27FC236}">
+                <a16:creationId xmlns:a16="http://schemas.microsoft.com/office/drawing/2014/main" id="{BEF50D93-A25C-4C19-9F27-7154AC805354}"/>
+              </a:ext>
+            </a:extLst>
+          </p:cNvPr>
+          <p:cNvSpPr/>
+          <p:nvPr/>
+        </p:nvSpPr>
+        <p:spPr>
+          <a:xfrm>
+            <a:off x="2724727" y="4285673"/>
+            <a:ext cx="5098473" cy="267854"/>
+          </a:xfrm>
+          <a:prstGeom prst="rect">
+            <a:avLst/>
+          </a:prstGeom>
+          <a:noFill/>
+          <a:ln>
+            <a:solidFill>
+              <a:srgbClr val="FF0000"/>
+            </a:solidFill>
+          </a:ln>
+        </p:spPr>
+        <p:style>
+          <a:lnRef idx="2">
+            <a:schemeClr val="accent1">
+              <a:shade val="50000"/>
+            </a:schemeClr>
+          </a:lnRef>
+          <a:fillRef idx="1">
+            <a:schemeClr val="accent1"/>
+          </a:fillRef>
+          <a:effectRef idx="0">
+            <a:schemeClr val="accent1"/>
+          </a:effectRef>
+          <a:fontRef idx="minor">
+            <a:schemeClr val="lt1"/>
+          </a:fontRef>
+        </p:style>
+        <p:txBody>
+          <a:bodyPr rtlCol="0" anchor="ctr"/>
+          <a:lstStyle/>
+          <a:p>
+            <a:pPr algn="ctr"/>
+            <a:endParaRPr lang="zh-TW" altLang="en-US"/>
+          </a:p>
+        </p:txBody>
+      </p:sp>
+      <p:sp>
+        <p:nvSpPr>
+          <p:cNvPr id="8" name="文字方塊 7">
+            <a:extLst>
+              <a:ext uri="{FF2B5EF4-FFF2-40B4-BE49-F238E27FC236}">
+                <a16:creationId xmlns:a16="http://schemas.microsoft.com/office/drawing/2014/main" id="{22EF6907-94F5-4AF1-A3E2-A4E022C90FBF}"/>
+              </a:ext>
+            </a:extLst>
+          </p:cNvPr>
+          <p:cNvSpPr txBox="1"/>
+          <p:nvPr/>
+        </p:nvSpPr>
+        <p:spPr>
+          <a:xfrm>
+            <a:off x="1208015" y="4974672"/>
+            <a:ext cx="2954655" cy="369332"/>
+          </a:xfrm>
+          <a:prstGeom prst="rect">
+            <a:avLst/>
+          </a:prstGeom>
+          <a:noFill/>
+        </p:spPr>
+        <p:txBody>
+          <a:bodyPr wrap="none" rtlCol="0">
+            <a:spAutoFit/>
+          </a:bodyPr>
+          <a:lstStyle/>
+          <a:p>
+            <a:r>
+              <a:rPr lang="zh-TW" altLang="en-US" dirty="0">
+                <a:solidFill>
+                  <a:srgbClr val="FF0000"/>
+                </a:solidFill>
+              </a:rPr>
+              <a:t>這一行也要與第六步放一起</a:t>
+            </a:r>
+          </a:p>
+        </p:txBody>
+      </p:sp>
+    </p:spTree>
+    <p:extLst>
+      <p:ext uri="{BB962C8B-B14F-4D97-AF65-F5344CB8AC3E}">
+        <p14:creationId xmlns:p14="http://schemas.microsoft.com/office/powerpoint/2010/main" val="3737493851"/>
+      </p:ext>
+    </p:extLst>
+  </p:cSld>
+  <p:clrMapOvr>
+    <a:masterClrMapping/>
+  </p:clrMapOvr>
+</p:sld>
+</file>
+
+<file path=ppt/slides/slide12.xml><?xml version="1.0" encoding="utf-8"?>
+<p:sld xmlns:a="http://schemas.openxmlformats.org/drawingml/2006/main" xmlns:r="http://schemas.openxmlformats.org/officeDocument/2006/relationships" xmlns:p="http://schemas.openxmlformats.org/presentationml/2006/main">
+  <p:cSld>
+    <p:spTree>
+      <p:nvGrpSpPr>
+        <p:cNvPr id="1" name=""/>
+        <p:cNvGrpSpPr/>
+        <p:nvPr/>
+      </p:nvGrpSpPr>
+      <p:grpSpPr>
+        <a:xfrm>
+          <a:off x="0" y="0"/>
+          <a:ext cx="0" cy="0"/>
+          <a:chOff x="0" y="0"/>
+          <a:chExt cx="0" cy="0"/>
+        </a:xfrm>
+      </p:grpSpPr>
+    </p:spTree>
+    <p:extLst>
+      <p:ext uri="{BB962C8B-B14F-4D97-AF65-F5344CB8AC3E}">
+        <p14:creationId xmlns:p14="http://schemas.microsoft.com/office/powerpoint/2010/main" val="2917763361"/>
       </p:ext>
     </p:extLst>
   </p:cSld>
@@ -1777,10 +2155,10 @@
       </p:grpSpPr>
       <p:sp>
         <p:nvSpPr>
-          <p:cNvPr id="2" name="文字版面配置區 1">
-            <a:extLst>
-              <a:ext uri="{FF2B5EF4-FFF2-40B4-BE49-F238E27FC236}">
-                <a16:creationId xmlns:a16="http://schemas.microsoft.com/office/drawing/2014/main" id="{7126D6F1-38BB-463B-9CF5-0E3D166F497D}"/>
+          <p:cNvPr id="2" name="標題 1">
+            <a:extLst>
+              <a:ext uri="{FF2B5EF4-FFF2-40B4-BE49-F238E27FC236}">
+                <a16:creationId xmlns:a16="http://schemas.microsoft.com/office/drawing/2014/main" id="{B4261220-F926-4E60-A3AA-FA14754D5B25}"/>
               </a:ext>
             </a:extLst>
           </p:cNvPr>
@@ -1788,7 +2166,7 @@
             <a:spLocks noGrp="1"/>
           </p:cNvSpPr>
           <p:nvPr>
-            <p:ph type="body" sz="quarter" idx="13"/>
+            <p:ph type="title"/>
           </p:nvPr>
         </p:nvSpPr>
         <p:spPr/>
@@ -1796,14 +2174,60 @@
           <a:bodyPr/>
           <a:lstStyle/>
           <a:p>
-            <a:endParaRPr lang="zh-TW" altLang="en-US"/>
+            <a:r>
+              <a:rPr lang="zh-TW" altLang="en-US" dirty="0"/>
+              <a:t>第一步</a:t>
+            </a:r>
+            <a:r>
+              <a:rPr lang="en-US" altLang="zh-TW" dirty="0"/>
+              <a:t>:</a:t>
+            </a:r>
+            <a:r>
+              <a:rPr lang="zh-TW" altLang="en-US" dirty="0"/>
+              <a:t> 登入</a:t>
+            </a:r>
+            <a:r>
+              <a:rPr lang="en-US" altLang="zh-TW" dirty="0" err="1"/>
+              <a:t>Adword</a:t>
+            </a:r>
+            <a:endParaRPr lang="zh-TW" altLang="en-US" dirty="0"/>
           </a:p>
         </p:txBody>
       </p:sp>
+      <p:pic>
+        <p:nvPicPr>
+          <p:cNvPr id="4" name="圖片 3">
+            <a:extLst>
+              <a:ext uri="{FF2B5EF4-FFF2-40B4-BE49-F238E27FC236}">
+                <a16:creationId xmlns:a16="http://schemas.microsoft.com/office/drawing/2014/main" id="{D88370CF-1187-4996-AE6E-1A040D4F78D3}"/>
+              </a:ext>
+            </a:extLst>
+          </p:cNvPr>
+          <p:cNvPicPr>
+            <a:picLocks noChangeAspect="1"/>
+          </p:cNvPicPr>
+          <p:nvPr/>
+        </p:nvPicPr>
+        <p:blipFill>
+          <a:blip r:embed="rId2"/>
+          <a:stretch>
+            <a:fillRect/>
+          </a:stretch>
+        </p:blipFill>
+        <p:spPr>
+          <a:xfrm>
+            <a:off x="1084007" y="1501629"/>
+            <a:ext cx="9852957" cy="4636686"/>
+          </a:xfrm>
+          <a:prstGeom prst="rect">
+            <a:avLst/>
+          </a:prstGeom>
+        </p:spPr>
+      </p:pic>
     </p:spTree>
     <p:extLst>
       <p:ext uri="{BB962C8B-B14F-4D97-AF65-F5344CB8AC3E}">
-        <p14:creationId xmlns:p14="http://schemas.microsoft.com/office/powerpoint/2010/main" val="235745776"/>
+        <p14:creationId xmlns:p14="http://schemas.microsoft.com/office/powerpoint/2010/main" val="865923789"/>
       </p:ext>
     </p:extLst>
   </p:cSld>
@@ -1832,10 +2256,10 @@
       </p:grpSpPr>
       <p:sp>
         <p:nvSpPr>
-          <p:cNvPr id="6" name="標題 5">
-            <a:extLst>
-              <a:ext uri="{FF2B5EF4-FFF2-40B4-BE49-F238E27FC236}">
-                <a16:creationId xmlns:a16="http://schemas.microsoft.com/office/drawing/2014/main" id="{A15BD577-431F-4ACE-8226-32A2A14E9063}"/>
+          <p:cNvPr id="2" name="標題 1">
+            <a:extLst>
+              <a:ext uri="{FF2B5EF4-FFF2-40B4-BE49-F238E27FC236}">
+                <a16:creationId xmlns:a16="http://schemas.microsoft.com/office/drawing/2014/main" id="{B4261220-F926-4E60-A3AA-FA14754D5B25}"/>
               </a:ext>
             </a:extLst>
           </p:cNvPr>
@@ -1848,42 +2272,222 @@
         </p:nvSpPr>
         <p:spPr/>
         <p:txBody>
-          <a:bodyPr/>
+          <a:bodyPr>
+            <a:normAutofit/>
+          </a:bodyPr>
           <a:lstStyle/>
           <a:p>
+            <a:r>
+              <a:rPr lang="zh-TW" altLang="en-US" dirty="0"/>
+              <a:t>第二步</a:t>
+            </a:r>
+            <a:r>
+              <a:rPr lang="en-US" altLang="zh-TW" dirty="0"/>
+              <a:t>:</a:t>
+            </a:r>
+            <a:r>
+              <a:rPr lang="zh-TW" altLang="en-US" dirty="0"/>
+              <a:t> 點工具</a:t>
+            </a:r>
+            <a:r>
+              <a:rPr lang="en-US" altLang="zh-TW" dirty="0"/>
+              <a:t>-&gt;</a:t>
+            </a:r>
+            <a:r>
+              <a:rPr lang="zh-TW" altLang="en-US" dirty="0"/>
+              <a:t>轉換</a:t>
+            </a:r>
+          </a:p>
+        </p:txBody>
+      </p:sp>
+      <p:pic>
+        <p:nvPicPr>
+          <p:cNvPr id="5" name="圖片 4">
+            <a:extLst>
+              <a:ext uri="{FF2B5EF4-FFF2-40B4-BE49-F238E27FC236}">
+                <a16:creationId xmlns:a16="http://schemas.microsoft.com/office/drawing/2014/main" id="{8B5A0843-F70D-4DDD-B5E4-E92224C79525}"/>
+              </a:ext>
+            </a:extLst>
+          </p:cNvPr>
+          <p:cNvPicPr>
+            <a:picLocks noChangeAspect="1"/>
+          </p:cNvPicPr>
+          <p:nvPr/>
+        </p:nvPicPr>
+        <p:blipFill>
+          <a:blip r:embed="rId2"/>
+          <a:stretch>
+            <a:fillRect/>
+          </a:stretch>
+        </p:blipFill>
+        <p:spPr>
+          <a:xfrm>
+            <a:off x="766619" y="1422400"/>
+            <a:ext cx="11096393" cy="4247889"/>
+          </a:xfrm>
+          <a:prstGeom prst="rect">
+            <a:avLst/>
+          </a:prstGeom>
+          <a:noFill/>
+          <a:ln>
+            <a:solidFill>
+              <a:srgbClr val="FF0000"/>
+            </a:solidFill>
+          </a:ln>
+        </p:spPr>
+      </p:pic>
+      <p:sp>
+        <p:nvSpPr>
+          <p:cNvPr id="6" name="矩形 5">
+            <a:extLst>
+              <a:ext uri="{FF2B5EF4-FFF2-40B4-BE49-F238E27FC236}">
+                <a16:creationId xmlns:a16="http://schemas.microsoft.com/office/drawing/2014/main" id="{C8B29054-8BD4-4B23-804C-34311D43CBEC}"/>
+              </a:ext>
+            </a:extLst>
+          </p:cNvPr>
+          <p:cNvSpPr/>
+          <p:nvPr/>
+        </p:nvSpPr>
+        <p:spPr>
+          <a:xfrm>
+            <a:off x="8565160" y="1442906"/>
+            <a:ext cx="360726" cy="436228"/>
+          </a:xfrm>
+          <a:prstGeom prst="rect">
+            <a:avLst/>
+          </a:prstGeom>
+          <a:noFill/>
+          <a:ln w="28575">
+            <a:solidFill>
+              <a:srgbClr val="FF0000"/>
+            </a:solidFill>
+          </a:ln>
+        </p:spPr>
+        <p:style>
+          <a:lnRef idx="2">
+            <a:schemeClr val="accent1">
+              <a:shade val="50000"/>
+            </a:schemeClr>
+          </a:lnRef>
+          <a:fillRef idx="1">
+            <a:schemeClr val="accent1"/>
+          </a:fillRef>
+          <a:effectRef idx="0">
+            <a:schemeClr val="accent1"/>
+          </a:effectRef>
+          <a:fontRef idx="minor">
+            <a:schemeClr val="lt1"/>
+          </a:fontRef>
+        </p:style>
+        <p:txBody>
+          <a:bodyPr rtlCol="0" anchor="ctr"/>
+          <a:lstStyle/>
+          <a:p>
+            <a:pPr algn="ctr"/>
             <a:endParaRPr lang="zh-TW" altLang="en-US"/>
           </a:p>
         </p:txBody>
       </p:sp>
       <p:sp>
         <p:nvSpPr>
-          <p:cNvPr id="7" name="文字版面配置區 6">
-            <a:extLst>
-              <a:ext uri="{FF2B5EF4-FFF2-40B4-BE49-F238E27FC236}">
-                <a16:creationId xmlns:a16="http://schemas.microsoft.com/office/drawing/2014/main" id="{90FA6330-16BB-44F7-BCEE-2150DB49B557}"/>
-              </a:ext>
-            </a:extLst>
-          </p:cNvPr>
-          <p:cNvSpPr>
-            <a:spLocks noGrp="1"/>
-          </p:cNvSpPr>
-          <p:nvPr>
-            <p:ph type="body" sz="quarter" idx="13"/>
-          </p:nvPr>
+          <p:cNvPr id="7" name="矩形 6">
+            <a:extLst>
+              <a:ext uri="{FF2B5EF4-FFF2-40B4-BE49-F238E27FC236}">
+                <a16:creationId xmlns:a16="http://schemas.microsoft.com/office/drawing/2014/main" id="{8B6377F0-408E-4C37-8244-745172CA23AB}"/>
+              </a:ext>
+            </a:extLst>
+          </p:cNvPr>
+          <p:cNvSpPr/>
+          <p:nvPr/>
         </p:nvSpPr>
-        <p:spPr/>
+        <p:spPr>
+          <a:xfrm>
+            <a:off x="6823821" y="2308370"/>
+            <a:ext cx="360726" cy="436228"/>
+          </a:xfrm>
+          <a:prstGeom prst="rect">
+            <a:avLst/>
+          </a:prstGeom>
+          <a:noFill/>
+          <a:ln w="28575">
+            <a:solidFill>
+              <a:srgbClr val="FF0000"/>
+            </a:solidFill>
+          </a:ln>
+        </p:spPr>
+        <p:style>
+          <a:lnRef idx="2">
+            <a:schemeClr val="accent1">
+              <a:shade val="50000"/>
+            </a:schemeClr>
+          </a:lnRef>
+          <a:fillRef idx="1">
+            <a:schemeClr val="accent1"/>
+          </a:fillRef>
+          <a:effectRef idx="0">
+            <a:schemeClr val="accent1"/>
+          </a:effectRef>
+          <a:fontRef idx="minor">
+            <a:schemeClr val="lt1"/>
+          </a:fontRef>
+        </p:style>
         <p:txBody>
-          <a:bodyPr/>
+          <a:bodyPr rtlCol="0" anchor="ctr"/>
           <a:lstStyle/>
           <a:p>
+            <a:pPr algn="ctr"/>
             <a:endParaRPr lang="zh-TW" altLang="en-US"/>
           </a:p>
         </p:txBody>
       </p:sp>
+      <p:cxnSp>
+        <p:nvCxnSpPr>
+          <p:cNvPr id="9" name="直線單箭頭接點 8">
+            <a:extLst>
+              <a:ext uri="{FF2B5EF4-FFF2-40B4-BE49-F238E27FC236}">
+                <a16:creationId xmlns:a16="http://schemas.microsoft.com/office/drawing/2014/main" id="{C7386456-1601-4DB9-88FA-0CBCE9A3C38F}"/>
+              </a:ext>
+            </a:extLst>
+          </p:cNvPr>
+          <p:cNvCxnSpPr>
+            <a:stCxn id="6" idx="2"/>
+          </p:cNvCxnSpPr>
+          <p:nvPr/>
+        </p:nvCxnSpPr>
+        <p:spPr>
+          <a:xfrm flipH="1">
+            <a:off x="7197754" y="1879134"/>
+            <a:ext cx="1547769" cy="645952"/>
+          </a:xfrm>
+          <a:prstGeom prst="straightConnector1">
+            <a:avLst/>
+          </a:prstGeom>
+          <a:ln>
+            <a:solidFill>
+              <a:srgbClr val="FF0000"/>
+            </a:solidFill>
+            <a:tailEnd type="triangle"/>
+          </a:ln>
+        </p:spPr>
+        <p:style>
+          <a:lnRef idx="1">
+            <a:schemeClr val="accent1"/>
+          </a:lnRef>
+          <a:fillRef idx="0">
+            <a:schemeClr val="accent1"/>
+          </a:fillRef>
+          <a:effectRef idx="0">
+            <a:schemeClr val="accent1"/>
+          </a:effectRef>
+          <a:fontRef idx="minor">
+            <a:schemeClr val="tx1"/>
+          </a:fontRef>
+        </p:style>
+      </p:cxnSp>
     </p:spTree>
     <p:extLst>
       <p:ext uri="{BB962C8B-B14F-4D97-AF65-F5344CB8AC3E}">
-        <p14:creationId xmlns:p14="http://schemas.microsoft.com/office/powerpoint/2010/main" val="3608011698"/>
+        <p14:creationId xmlns:p14="http://schemas.microsoft.com/office/powerpoint/2010/main" val="695639006"/>
       </p:ext>
     </p:extLst>
   </p:cSld>
@@ -1910,10 +2514,138 @@
           <a:chExt cx="0" cy="0"/>
         </a:xfrm>
       </p:grpSpPr>
+      <p:sp>
+        <p:nvSpPr>
+          <p:cNvPr id="2" name="標題 1">
+            <a:extLst>
+              <a:ext uri="{FF2B5EF4-FFF2-40B4-BE49-F238E27FC236}">
+                <a16:creationId xmlns:a16="http://schemas.microsoft.com/office/drawing/2014/main" id="{B4261220-F926-4E60-A3AA-FA14754D5B25}"/>
+              </a:ext>
+            </a:extLst>
+          </p:cNvPr>
+          <p:cNvSpPr>
+            <a:spLocks noGrp="1"/>
+          </p:cNvSpPr>
+          <p:nvPr>
+            <p:ph type="title"/>
+          </p:nvPr>
+        </p:nvSpPr>
+        <p:spPr/>
+        <p:txBody>
+          <a:bodyPr>
+            <a:normAutofit/>
+          </a:bodyPr>
+          <a:lstStyle/>
+          <a:p>
+            <a:r>
+              <a:rPr lang="zh-TW" altLang="en-US" dirty="0"/>
+              <a:t>第三步</a:t>
+            </a:r>
+            <a:r>
+              <a:rPr lang="en-US" altLang="zh-TW" dirty="0"/>
+              <a:t>:</a:t>
+            </a:r>
+            <a:r>
+              <a:rPr lang="zh-TW" altLang="en-US" dirty="0"/>
+              <a:t>點</a:t>
+            </a:r>
+            <a:r>
+              <a:rPr lang="en-US" altLang="zh-TW" dirty="0"/>
+              <a:t>+</a:t>
+            </a:r>
+            <a:r>
+              <a:rPr lang="zh-TW" altLang="en-US" dirty="0"/>
+              <a:t>號</a:t>
+            </a:r>
+          </a:p>
+        </p:txBody>
+      </p:sp>
+      <p:pic>
+        <p:nvPicPr>
+          <p:cNvPr id="3" name="圖片 2">
+            <a:extLst>
+              <a:ext uri="{FF2B5EF4-FFF2-40B4-BE49-F238E27FC236}">
+                <a16:creationId xmlns:a16="http://schemas.microsoft.com/office/drawing/2014/main" id="{A95DC410-3B45-4BEE-8C51-CE8741F5CDC5}"/>
+              </a:ext>
+            </a:extLst>
+          </p:cNvPr>
+          <p:cNvPicPr>
+            <a:picLocks noChangeAspect="1"/>
+          </p:cNvPicPr>
+          <p:nvPr/>
+        </p:nvPicPr>
+        <p:blipFill>
+          <a:blip r:embed="rId2"/>
+          <a:stretch>
+            <a:fillRect/>
+          </a:stretch>
+        </p:blipFill>
+        <p:spPr>
+          <a:xfrm>
+            <a:off x="430449" y="1495205"/>
+            <a:ext cx="11369964" cy="4089355"/>
+          </a:xfrm>
+          <a:prstGeom prst="rect">
+            <a:avLst/>
+          </a:prstGeom>
+        </p:spPr>
+      </p:pic>
+      <p:sp>
+        <p:nvSpPr>
+          <p:cNvPr id="4" name="矩形 3">
+            <a:extLst>
+              <a:ext uri="{FF2B5EF4-FFF2-40B4-BE49-F238E27FC236}">
+                <a16:creationId xmlns:a16="http://schemas.microsoft.com/office/drawing/2014/main" id="{2FDA5449-CC63-4E29-85BE-8F215BCF4484}"/>
+              </a:ext>
+            </a:extLst>
+          </p:cNvPr>
+          <p:cNvSpPr/>
+          <p:nvPr/>
+        </p:nvSpPr>
+        <p:spPr>
+          <a:xfrm>
+            <a:off x="1542473" y="2235200"/>
+            <a:ext cx="785091" cy="618836"/>
+          </a:xfrm>
+          <a:prstGeom prst="rect">
+            <a:avLst/>
+          </a:prstGeom>
+          <a:noFill/>
+          <a:ln w="28575">
+            <a:solidFill>
+              <a:srgbClr val="FF0000"/>
+            </a:solidFill>
+          </a:ln>
+        </p:spPr>
+        <p:style>
+          <a:lnRef idx="2">
+            <a:schemeClr val="accent1">
+              <a:shade val="50000"/>
+            </a:schemeClr>
+          </a:lnRef>
+          <a:fillRef idx="1">
+            <a:schemeClr val="accent1"/>
+          </a:fillRef>
+          <a:effectRef idx="0">
+            <a:schemeClr val="accent1"/>
+          </a:effectRef>
+          <a:fontRef idx="minor">
+            <a:schemeClr val="lt1"/>
+          </a:fontRef>
+        </p:style>
+        <p:txBody>
+          <a:bodyPr rtlCol="0" anchor="ctr"/>
+          <a:lstStyle/>
+          <a:p>
+            <a:pPr algn="ctr"/>
+            <a:endParaRPr lang="zh-TW" altLang="en-US"/>
+          </a:p>
+        </p:txBody>
+      </p:sp>
     </p:spTree>
     <p:extLst>
       <p:ext uri="{BB962C8B-B14F-4D97-AF65-F5344CB8AC3E}">
-        <p14:creationId xmlns:p14="http://schemas.microsoft.com/office/powerpoint/2010/main" val="229148976"/>
+        <p14:creationId xmlns:p14="http://schemas.microsoft.com/office/powerpoint/2010/main" val="1524474152"/>
       </p:ext>
     </p:extLst>
   </p:cSld>
@@ -1940,10 +2672,605 @@
           <a:chExt cx="0" cy="0"/>
         </a:xfrm>
       </p:grpSpPr>
+      <p:sp>
+        <p:nvSpPr>
+          <p:cNvPr id="2" name="標題 1">
+            <a:extLst>
+              <a:ext uri="{FF2B5EF4-FFF2-40B4-BE49-F238E27FC236}">
+                <a16:creationId xmlns:a16="http://schemas.microsoft.com/office/drawing/2014/main" id="{B4261220-F926-4E60-A3AA-FA14754D5B25}"/>
+              </a:ext>
+            </a:extLst>
+          </p:cNvPr>
+          <p:cNvSpPr>
+            <a:spLocks noGrp="1"/>
+          </p:cNvSpPr>
+          <p:nvPr>
+            <p:ph type="title"/>
+          </p:nvPr>
+        </p:nvSpPr>
+        <p:spPr/>
+        <p:txBody>
+          <a:bodyPr>
+            <a:normAutofit fontScale="90000"/>
+          </a:bodyPr>
+          <a:lstStyle/>
+          <a:p>
+            <a:r>
+              <a:rPr lang="zh-TW" altLang="en-US" dirty="0"/>
+              <a:t>第四步</a:t>
+            </a:r>
+            <a:r>
+              <a:rPr lang="en-US" altLang="zh-TW" dirty="0"/>
+              <a:t>:</a:t>
+            </a:r>
+            <a:r>
+              <a:rPr lang="zh-TW" altLang="en-US" dirty="0"/>
+              <a:t>選擇追蹤發生位置</a:t>
+            </a:r>
+            <a:r>
+              <a:rPr lang="en-US" altLang="zh-TW" dirty="0"/>
+              <a:t>(</a:t>
+            </a:r>
+            <a:r>
+              <a:rPr lang="zh-TW" altLang="en-US" dirty="0"/>
+              <a:t>網站</a:t>
+            </a:r>
+            <a:r>
+              <a:rPr lang="en-US" altLang="zh-TW" dirty="0"/>
+              <a:t>)</a:t>
+            </a:r>
+            <a:endParaRPr lang="zh-TW" altLang="en-US" dirty="0"/>
+          </a:p>
+        </p:txBody>
+      </p:sp>
+      <p:pic>
+        <p:nvPicPr>
+          <p:cNvPr id="5" name="圖片 4">
+            <a:extLst>
+              <a:ext uri="{FF2B5EF4-FFF2-40B4-BE49-F238E27FC236}">
+                <a16:creationId xmlns:a16="http://schemas.microsoft.com/office/drawing/2014/main" id="{E6F13121-CDE8-4D0A-9C3F-AD242C997E9F}"/>
+              </a:ext>
+            </a:extLst>
+          </p:cNvPr>
+          <p:cNvPicPr>
+            <a:picLocks noChangeAspect="1"/>
+          </p:cNvPicPr>
+          <p:nvPr/>
+        </p:nvPicPr>
+        <p:blipFill>
+          <a:blip r:embed="rId2"/>
+          <a:stretch>
+            <a:fillRect/>
+          </a:stretch>
+        </p:blipFill>
+        <p:spPr>
+          <a:xfrm>
+            <a:off x="0" y="1409820"/>
+            <a:ext cx="12192000" cy="4038360"/>
+          </a:xfrm>
+          <a:prstGeom prst="rect">
+            <a:avLst/>
+          </a:prstGeom>
+        </p:spPr>
+      </p:pic>
+      <p:sp>
+        <p:nvSpPr>
+          <p:cNvPr id="6" name="矩形 5">
+            <a:extLst>
+              <a:ext uri="{FF2B5EF4-FFF2-40B4-BE49-F238E27FC236}">
+                <a16:creationId xmlns:a16="http://schemas.microsoft.com/office/drawing/2014/main" id="{D6A35D2B-2DCA-40B1-B449-309FCEEC6C81}"/>
+              </a:ext>
+            </a:extLst>
+          </p:cNvPr>
+          <p:cNvSpPr/>
+          <p:nvPr/>
+        </p:nvSpPr>
+        <p:spPr>
+          <a:xfrm>
+            <a:off x="3334327" y="3075709"/>
+            <a:ext cx="1413164" cy="1976582"/>
+          </a:xfrm>
+          <a:prstGeom prst="rect">
+            <a:avLst/>
+          </a:prstGeom>
+          <a:noFill/>
+          <a:ln w="28575">
+            <a:solidFill>
+              <a:srgbClr val="FF0000"/>
+            </a:solidFill>
+          </a:ln>
+        </p:spPr>
+        <p:style>
+          <a:lnRef idx="2">
+            <a:schemeClr val="accent1">
+              <a:shade val="50000"/>
+            </a:schemeClr>
+          </a:lnRef>
+          <a:fillRef idx="1">
+            <a:schemeClr val="accent1"/>
+          </a:fillRef>
+          <a:effectRef idx="0">
+            <a:schemeClr val="accent1"/>
+          </a:effectRef>
+          <a:fontRef idx="minor">
+            <a:schemeClr val="lt1"/>
+          </a:fontRef>
+        </p:style>
+        <p:txBody>
+          <a:bodyPr rtlCol="0" anchor="ctr"/>
+          <a:lstStyle/>
+          <a:p>
+            <a:pPr algn="ctr"/>
+            <a:endParaRPr lang="zh-TW" altLang="en-US"/>
+          </a:p>
+        </p:txBody>
+      </p:sp>
     </p:spTree>
     <p:extLst>
       <p:ext uri="{BB962C8B-B14F-4D97-AF65-F5344CB8AC3E}">
-        <p14:creationId xmlns:p14="http://schemas.microsoft.com/office/powerpoint/2010/main" val="2917763361"/>
+        <p14:creationId xmlns:p14="http://schemas.microsoft.com/office/powerpoint/2010/main" val="957613422"/>
+      </p:ext>
+    </p:extLst>
+  </p:cSld>
+  <p:clrMapOvr>
+    <a:masterClrMapping/>
+  </p:clrMapOvr>
+</p:sld>
+</file>
+
+<file path=ppt/slides/slide6.xml><?xml version="1.0" encoding="utf-8"?>
+<p:sld xmlns:a="http://schemas.openxmlformats.org/drawingml/2006/main" xmlns:r="http://schemas.openxmlformats.org/officeDocument/2006/relationships" xmlns:p="http://schemas.openxmlformats.org/presentationml/2006/main">
+  <p:cSld>
+    <p:spTree>
+      <p:nvGrpSpPr>
+        <p:cNvPr id="1" name=""/>
+        <p:cNvGrpSpPr/>
+        <p:nvPr/>
+      </p:nvGrpSpPr>
+      <p:grpSpPr>
+        <a:xfrm>
+          <a:off x="0" y="0"/>
+          <a:ext cx="0" cy="0"/>
+          <a:chOff x="0" y="0"/>
+          <a:chExt cx="0" cy="0"/>
+        </a:xfrm>
+      </p:grpSpPr>
+      <p:sp>
+        <p:nvSpPr>
+          <p:cNvPr id="2" name="標題 1">
+            <a:extLst>
+              <a:ext uri="{FF2B5EF4-FFF2-40B4-BE49-F238E27FC236}">
+                <a16:creationId xmlns:a16="http://schemas.microsoft.com/office/drawing/2014/main" id="{B4261220-F926-4E60-A3AA-FA14754D5B25}"/>
+              </a:ext>
+            </a:extLst>
+          </p:cNvPr>
+          <p:cNvSpPr>
+            <a:spLocks noGrp="1"/>
+          </p:cNvSpPr>
+          <p:nvPr>
+            <p:ph type="title"/>
+          </p:nvPr>
+        </p:nvSpPr>
+        <p:spPr/>
+        <p:txBody>
+          <a:bodyPr>
+            <a:normAutofit fontScale="90000"/>
+          </a:bodyPr>
+          <a:lstStyle/>
+          <a:p>
+            <a:r>
+              <a:rPr lang="zh-TW" altLang="en-US" dirty="0"/>
+              <a:t>第四步</a:t>
+            </a:r>
+            <a:r>
+              <a:rPr lang="en-US" altLang="zh-TW" dirty="0"/>
+              <a:t>:</a:t>
+            </a:r>
+            <a:r>
+              <a:rPr lang="zh-TW" altLang="en-US" dirty="0"/>
+              <a:t>根據需求填入或選擇追蹤事項</a:t>
+            </a:r>
+          </a:p>
+        </p:txBody>
+      </p:sp>
+      <p:pic>
+        <p:nvPicPr>
+          <p:cNvPr id="3" name="圖片 2">
+            <a:extLst>
+              <a:ext uri="{FF2B5EF4-FFF2-40B4-BE49-F238E27FC236}">
+                <a16:creationId xmlns:a16="http://schemas.microsoft.com/office/drawing/2014/main" id="{329E0BD7-C5AA-4F78-9BE1-C97B9CA8C4E5}"/>
+              </a:ext>
+            </a:extLst>
+          </p:cNvPr>
+          <p:cNvPicPr>
+            <a:picLocks noChangeAspect="1"/>
+          </p:cNvPicPr>
+          <p:nvPr/>
+        </p:nvPicPr>
+        <p:blipFill>
+          <a:blip r:embed="rId2"/>
+          <a:stretch>
+            <a:fillRect/>
+          </a:stretch>
+        </p:blipFill>
+        <p:spPr>
+          <a:xfrm>
+            <a:off x="92364" y="1246908"/>
+            <a:ext cx="10409381" cy="5613876"/>
+          </a:xfrm>
+          <a:prstGeom prst="rect">
+            <a:avLst/>
+          </a:prstGeom>
+        </p:spPr>
+      </p:pic>
+    </p:spTree>
+    <p:extLst>
+      <p:ext uri="{BB962C8B-B14F-4D97-AF65-F5344CB8AC3E}">
+        <p14:creationId xmlns:p14="http://schemas.microsoft.com/office/powerpoint/2010/main" val="1730855856"/>
+      </p:ext>
+    </p:extLst>
+  </p:cSld>
+  <p:clrMapOvr>
+    <a:masterClrMapping/>
+  </p:clrMapOvr>
+</p:sld>
+</file>
+
+<file path=ppt/slides/slide7.xml><?xml version="1.0" encoding="utf-8"?>
+<p:sld xmlns:a="http://schemas.openxmlformats.org/drawingml/2006/main" xmlns:r="http://schemas.openxmlformats.org/officeDocument/2006/relationships" xmlns:p="http://schemas.openxmlformats.org/presentationml/2006/main">
+  <p:cSld>
+    <p:spTree>
+      <p:nvGrpSpPr>
+        <p:cNvPr id="1" name=""/>
+        <p:cNvGrpSpPr/>
+        <p:nvPr/>
+      </p:nvGrpSpPr>
+      <p:grpSpPr>
+        <a:xfrm>
+          <a:off x="0" y="0"/>
+          <a:ext cx="0" cy="0"/>
+          <a:chOff x="0" y="0"/>
+          <a:chExt cx="0" cy="0"/>
+        </a:xfrm>
+      </p:grpSpPr>
+      <p:sp>
+        <p:nvSpPr>
+          <p:cNvPr id="2" name="標題 1">
+            <a:extLst>
+              <a:ext uri="{FF2B5EF4-FFF2-40B4-BE49-F238E27FC236}">
+                <a16:creationId xmlns:a16="http://schemas.microsoft.com/office/drawing/2014/main" id="{B4261220-F926-4E60-A3AA-FA14754D5B25}"/>
+              </a:ext>
+            </a:extLst>
+          </p:cNvPr>
+          <p:cNvSpPr>
+            <a:spLocks noGrp="1"/>
+          </p:cNvSpPr>
+          <p:nvPr>
+            <p:ph type="title"/>
+          </p:nvPr>
+        </p:nvSpPr>
+        <p:spPr/>
+        <p:txBody>
+          <a:bodyPr>
+            <a:normAutofit fontScale="90000"/>
+          </a:bodyPr>
+          <a:lstStyle/>
+          <a:p>
+            <a:r>
+              <a:rPr lang="zh-TW" altLang="en-US" dirty="0"/>
+              <a:t>第四步</a:t>
+            </a:r>
+            <a:r>
+              <a:rPr lang="en-US" altLang="zh-TW" dirty="0"/>
+              <a:t>:</a:t>
+            </a:r>
+            <a:r>
+              <a:rPr lang="zh-TW" altLang="en-US" dirty="0"/>
+              <a:t>根據需求填入或選擇追蹤事項</a:t>
+            </a:r>
+          </a:p>
+        </p:txBody>
+      </p:sp>
+      <p:pic>
+        <p:nvPicPr>
+          <p:cNvPr id="4" name="圖片 3">
+            <a:extLst>
+              <a:ext uri="{FF2B5EF4-FFF2-40B4-BE49-F238E27FC236}">
+                <a16:creationId xmlns:a16="http://schemas.microsoft.com/office/drawing/2014/main" id="{4828F964-CC72-4F28-B3FA-D092888BCDE3}"/>
+              </a:ext>
+            </a:extLst>
+          </p:cNvPr>
+          <p:cNvPicPr>
+            <a:picLocks noChangeAspect="1"/>
+          </p:cNvPicPr>
+          <p:nvPr/>
+        </p:nvPicPr>
+        <p:blipFill>
+          <a:blip r:embed="rId2"/>
+          <a:stretch>
+            <a:fillRect/>
+          </a:stretch>
+        </p:blipFill>
+        <p:spPr>
+          <a:xfrm>
+            <a:off x="441283" y="1267899"/>
+            <a:ext cx="10353964" cy="5400334"/>
+          </a:xfrm>
+          <a:prstGeom prst="rect">
+            <a:avLst/>
+          </a:prstGeom>
+        </p:spPr>
+      </p:pic>
+    </p:spTree>
+    <p:extLst>
+      <p:ext uri="{BB962C8B-B14F-4D97-AF65-F5344CB8AC3E}">
+        <p14:creationId xmlns:p14="http://schemas.microsoft.com/office/powerpoint/2010/main" val="3673759533"/>
+      </p:ext>
+    </p:extLst>
+  </p:cSld>
+  <p:clrMapOvr>
+    <a:masterClrMapping/>
+  </p:clrMapOvr>
+</p:sld>
+</file>
+
+<file path=ppt/slides/slide8.xml><?xml version="1.0" encoding="utf-8"?>
+<p:sld xmlns:a="http://schemas.openxmlformats.org/drawingml/2006/main" xmlns:r="http://schemas.openxmlformats.org/officeDocument/2006/relationships" xmlns:p="http://schemas.openxmlformats.org/presentationml/2006/main">
+  <p:cSld>
+    <p:spTree>
+      <p:nvGrpSpPr>
+        <p:cNvPr id="1" name=""/>
+        <p:cNvGrpSpPr/>
+        <p:nvPr/>
+      </p:nvGrpSpPr>
+      <p:grpSpPr>
+        <a:xfrm>
+          <a:off x="0" y="0"/>
+          <a:ext cx="0" cy="0"/>
+          <a:chOff x="0" y="0"/>
+          <a:chExt cx="0" cy="0"/>
+        </a:xfrm>
+      </p:grpSpPr>
+      <p:sp>
+        <p:nvSpPr>
+          <p:cNvPr id="2" name="標題 1">
+            <a:extLst>
+              <a:ext uri="{FF2B5EF4-FFF2-40B4-BE49-F238E27FC236}">
+                <a16:creationId xmlns:a16="http://schemas.microsoft.com/office/drawing/2014/main" id="{B4261220-F926-4E60-A3AA-FA14754D5B25}"/>
+              </a:ext>
+            </a:extLst>
+          </p:cNvPr>
+          <p:cNvSpPr>
+            <a:spLocks noGrp="1"/>
+          </p:cNvSpPr>
+          <p:nvPr>
+            <p:ph type="title"/>
+          </p:nvPr>
+        </p:nvSpPr>
+        <p:spPr>
+          <a:xfrm>
+            <a:off x="467395" y="436175"/>
+            <a:ext cx="6573735" cy="904876"/>
+          </a:xfrm>
+        </p:spPr>
+        <p:txBody>
+          <a:bodyPr>
+            <a:noAutofit/>
+          </a:bodyPr>
+          <a:lstStyle/>
+          <a:p>
+            <a:r>
+              <a:rPr lang="zh-TW" altLang="en-US" sz="3600" dirty="0"/>
+              <a:t>第四步</a:t>
+            </a:r>
+            <a:r>
+              <a:rPr lang="en-US" altLang="zh-TW" sz="3600" dirty="0"/>
+              <a:t>:</a:t>
+            </a:r>
+            <a:r>
+              <a:rPr lang="zh-TW" altLang="en-US" sz="3600" dirty="0"/>
+              <a:t>根據需求填入或選擇追蹤事項，點擊 建立並繼續</a:t>
+            </a:r>
+            <a:br>
+              <a:rPr lang="en-US" altLang="zh-TW" sz="3600" dirty="0"/>
+            </a:br>
+            <a:endParaRPr lang="zh-TW" altLang="en-US" sz="3600" dirty="0"/>
+          </a:p>
+        </p:txBody>
+      </p:sp>
+      <p:pic>
+        <p:nvPicPr>
+          <p:cNvPr id="3" name="圖片 2">
+            <a:extLst>
+              <a:ext uri="{FF2B5EF4-FFF2-40B4-BE49-F238E27FC236}">
+                <a16:creationId xmlns:a16="http://schemas.microsoft.com/office/drawing/2014/main" id="{1D3A7ECE-E7B4-421A-A828-9D35AF34803F}"/>
+              </a:ext>
+            </a:extLst>
+          </p:cNvPr>
+          <p:cNvPicPr>
+            <a:picLocks noChangeAspect="1"/>
+          </p:cNvPicPr>
+          <p:nvPr/>
+        </p:nvPicPr>
+        <p:blipFill>
+          <a:blip r:embed="rId2"/>
+          <a:stretch>
+            <a:fillRect/>
+          </a:stretch>
+        </p:blipFill>
+        <p:spPr>
+          <a:xfrm>
+            <a:off x="1251527" y="1341051"/>
+            <a:ext cx="9688945" cy="5431225"/>
+          </a:xfrm>
+          <a:prstGeom prst="rect">
+            <a:avLst/>
+          </a:prstGeom>
+        </p:spPr>
+      </p:pic>
+    </p:spTree>
+    <p:extLst>
+      <p:ext uri="{BB962C8B-B14F-4D97-AF65-F5344CB8AC3E}">
+        <p14:creationId xmlns:p14="http://schemas.microsoft.com/office/powerpoint/2010/main" val="1858517129"/>
+      </p:ext>
+    </p:extLst>
+  </p:cSld>
+  <p:clrMapOvr>
+    <a:masterClrMapping/>
+  </p:clrMapOvr>
+</p:sld>
+</file>
+
+<file path=ppt/slides/slide9.xml><?xml version="1.0" encoding="utf-8"?>
+<p:sld xmlns:a="http://schemas.openxmlformats.org/drawingml/2006/main" xmlns:r="http://schemas.openxmlformats.org/officeDocument/2006/relationships" xmlns:p="http://schemas.openxmlformats.org/presentationml/2006/main">
+  <p:cSld>
+    <p:spTree>
+      <p:nvGrpSpPr>
+        <p:cNvPr id="1" name=""/>
+        <p:cNvGrpSpPr/>
+        <p:nvPr/>
+      </p:nvGrpSpPr>
+      <p:grpSpPr>
+        <a:xfrm>
+          <a:off x="0" y="0"/>
+          <a:ext cx="0" cy="0"/>
+          <a:chOff x="0" y="0"/>
+          <a:chExt cx="0" cy="0"/>
+        </a:xfrm>
+      </p:grpSpPr>
+      <p:sp>
+        <p:nvSpPr>
+          <p:cNvPr id="2" name="標題 1">
+            <a:extLst>
+              <a:ext uri="{FF2B5EF4-FFF2-40B4-BE49-F238E27FC236}">
+                <a16:creationId xmlns:a16="http://schemas.microsoft.com/office/drawing/2014/main" id="{B4261220-F926-4E60-A3AA-FA14754D5B25}"/>
+              </a:ext>
+            </a:extLst>
+          </p:cNvPr>
+          <p:cNvSpPr>
+            <a:spLocks noGrp="1"/>
+          </p:cNvSpPr>
+          <p:nvPr>
+            <p:ph type="title"/>
+          </p:nvPr>
+        </p:nvSpPr>
+        <p:spPr>
+          <a:xfrm>
+            <a:off x="467395" y="436175"/>
+            <a:ext cx="6573735" cy="904876"/>
+          </a:xfrm>
+        </p:spPr>
+        <p:txBody>
+          <a:bodyPr>
+            <a:noAutofit/>
+          </a:bodyPr>
+          <a:lstStyle/>
+          <a:p>
+            <a:r>
+              <a:rPr lang="zh-TW" altLang="en-US" sz="3600" dirty="0"/>
+              <a:t>第五步</a:t>
+            </a:r>
+            <a:r>
+              <a:rPr lang="en-US" altLang="zh-TW" sz="3600" dirty="0"/>
+              <a:t>:</a:t>
+            </a:r>
+            <a:r>
+              <a:rPr lang="zh-TW" altLang="en-US" sz="3600" dirty="0"/>
+              <a:t>自行加入代碼</a:t>
+            </a:r>
+            <a:br>
+              <a:rPr lang="en-US" altLang="zh-TW" sz="3600" dirty="0"/>
+            </a:br>
+            <a:endParaRPr lang="zh-TW" altLang="en-US" sz="3600" dirty="0"/>
+          </a:p>
+        </p:txBody>
+      </p:sp>
+      <p:pic>
+        <p:nvPicPr>
+          <p:cNvPr id="4" name="圖片 3">
+            <a:extLst>
+              <a:ext uri="{FF2B5EF4-FFF2-40B4-BE49-F238E27FC236}">
+                <a16:creationId xmlns:a16="http://schemas.microsoft.com/office/drawing/2014/main" id="{BFF7EABD-EACB-4B5D-9284-09786AE4DE02}"/>
+              </a:ext>
+            </a:extLst>
+          </p:cNvPr>
+          <p:cNvPicPr>
+            <a:picLocks noChangeAspect="1"/>
+          </p:cNvPicPr>
+          <p:nvPr/>
+        </p:nvPicPr>
+        <p:blipFill>
+          <a:blip r:embed="rId2"/>
+          <a:stretch>
+            <a:fillRect/>
+          </a:stretch>
+        </p:blipFill>
+        <p:spPr>
+          <a:xfrm>
+            <a:off x="882072" y="2442981"/>
+            <a:ext cx="10427855" cy="3978844"/>
+          </a:xfrm>
+          <a:prstGeom prst="rect">
+            <a:avLst/>
+          </a:prstGeom>
+        </p:spPr>
+      </p:pic>
+      <p:sp>
+        <p:nvSpPr>
+          <p:cNvPr id="5" name="矩形 4">
+            <a:extLst>
+              <a:ext uri="{FF2B5EF4-FFF2-40B4-BE49-F238E27FC236}">
+                <a16:creationId xmlns:a16="http://schemas.microsoft.com/office/drawing/2014/main" id="{A382FDCA-F5D9-45E9-A6CC-E0CFF4FAB204}"/>
+              </a:ext>
+            </a:extLst>
+          </p:cNvPr>
+          <p:cNvSpPr/>
+          <p:nvPr/>
+        </p:nvSpPr>
+        <p:spPr>
+          <a:xfrm>
+            <a:off x="2918691" y="3429000"/>
+            <a:ext cx="1930400" cy="2417618"/>
+          </a:xfrm>
+          <a:prstGeom prst="rect">
+            <a:avLst/>
+          </a:prstGeom>
+          <a:noFill/>
+          <a:ln w="28575">
+            <a:solidFill>
+              <a:srgbClr val="FF0000"/>
+            </a:solidFill>
+          </a:ln>
+        </p:spPr>
+        <p:style>
+          <a:lnRef idx="2">
+            <a:schemeClr val="accent1">
+              <a:shade val="50000"/>
+            </a:schemeClr>
+          </a:lnRef>
+          <a:fillRef idx="1">
+            <a:schemeClr val="accent1"/>
+          </a:fillRef>
+          <a:effectRef idx="0">
+            <a:schemeClr val="accent1"/>
+          </a:effectRef>
+          <a:fontRef idx="minor">
+            <a:schemeClr val="lt1"/>
+          </a:fontRef>
+        </p:style>
+        <p:txBody>
+          <a:bodyPr rtlCol="0" anchor="ctr"/>
+          <a:lstStyle/>
+          <a:p>
+            <a:pPr algn="ctr"/>
+            <a:endParaRPr lang="zh-TW" altLang="en-US"/>
+          </a:p>
+        </p:txBody>
+      </p:sp>
+    </p:spTree>
+    <p:extLst>
+      <p:ext uri="{BB962C8B-B14F-4D97-AF65-F5344CB8AC3E}">
+        <p14:creationId xmlns:p14="http://schemas.microsoft.com/office/powerpoint/2010/main" val="117064210"/>
       </p:ext>
     </p:extLst>
   </p:cSld>
